--- a/.workshop/DevOps-Workshop.pptx
+++ b/.workshop/DevOps-Workshop.pptx
@@ -35573,30 +35573,6 @@
           </a:p>
         </p:txBody>
       </p:sp>
-      <p:pic>
-        <p:nvPicPr>
-          <p:cNvPr id="4" name="Picture 3" descr="getMarbleQtyTest.png"/>
-          <p:cNvPicPr>
-            <a:picLocks noChangeAspect="1"/>
-          </p:cNvPicPr>
-          <p:nvPr/>
-        </p:nvPicPr>
-        <p:blipFill>
-          <a:blip r:embed="rId2"/>
-          <a:stretch>
-            <a:fillRect/>
-          </a:stretch>
-        </p:blipFill>
-        <p:spPr>
-          <a:xfrm>
-            <a:off x="3296724" y="2722880"/>
-            <a:ext cx="5598551" cy="3769360"/>
-          </a:xfrm>
-          <a:prstGeom prst="rect">
-            <a:avLst/>
-          </a:prstGeom>
-        </p:spPr>
-      </p:pic>
     </p:spTree>
   </p:cSld>
   <p:clrMapOvr>
@@ -36402,7 +36378,7 @@
               <a:t/>
             </a:r>
             <a:r>
-              <a:t> function. We are most interested in the above snippet.</a:t>
+              <a:t> function.</a:t>
             </a:r>
           </a:p>
           <a:p>
@@ -36410,86 +36386,46 @@
               <a:defRPr sz="1800"/>
             </a:pPr>
             <a:r>
-              <a:t/>
-            </a:r>
-            <a:r>
-              <a:rPr>
-                <a:latin typeface="Courier"/>
-              </a:rPr>
-              <a:t/>
-            </a:r>
-            <a:r>
-              <a:t/>
-            </a:r>
-            <a:r>
-              <a:rPr>
-                <a:latin typeface="Courier"/>
-              </a:rPr>
-              <a:t>desiredEntry.COST</a:t>
-            </a:r>
-            <a:r>
-              <a:t/>
-            </a:r>
-            <a:r>
-              <a:rPr>
-                <a:latin typeface="Courier"/>
-              </a:rPr>
-              <a:t/>
-            </a:r>
-            <a:r>
-              <a:t> contains the cost value.  Let's pass that back into the callback.</a:t>
+              <a:t>In the row section, let's collect the cost and send it through the callback.</a:t>
+            </a:r>
+          </a:p>
+          <a:p>
+            <a:pPr>
+              <a:defRPr sz="1800"/>
+            </a:pPr>
+            <a:r>
+              <a:t>Add </a:t>
+            </a:r>
+            <a:r>
+              <a:rPr>
+                <a:latin typeface="Courier"/>
+              </a:rPr>
+              <a:t/>
+            </a:r>
+            <a:r>
+              <a:t/>
+            </a:r>
+            <a:r>
+              <a:rPr>
+                <a:latin typeface="Courier"/>
+              </a:rPr>
+              <a:t>cost = Number(row3]);</a:t>
+            </a:r>
+            <a:r>
+              <a:t/>
+            </a:r>
+            <a:r>
+              <a:rPr>
+                <a:latin typeface="Courier"/>
+              </a:rPr>
+              <a:t/>
+            </a:r>
+            <a:r>
+              <a:t> and adjust the callback.</a:t>
             </a:r>
           </a:p>
         </p:txBody>
       </p:sp>
-      <p:pic>
-        <p:nvPicPr>
-          <p:cNvPr id="4" name="Picture 3" descr="DevOps-Workshop26.png"/>
-          <p:cNvPicPr>
-            <a:picLocks noChangeAspect="1"/>
-          </p:cNvPicPr>
-          <p:nvPr/>
-        </p:nvPicPr>
-        <p:blipFill>
-          <a:blip r:embed="rId2"/>
-          <a:stretch>
-            <a:fillRect/>
-          </a:stretch>
-        </p:blipFill>
-        <p:spPr>
-          <a:xfrm>
-            <a:off x="3910293" y="655320"/>
-            <a:ext cx="4371412" cy="2067560"/>
-          </a:xfrm>
-          <a:prstGeom prst="rect">
-            <a:avLst/>
-          </a:prstGeom>
-        </p:spPr>
-      </p:pic>
-      <p:pic>
-        <p:nvPicPr>
-          <p:cNvPr id="5" name="Picture 4" descr="DevOps-Workshop27.png"/>
-          <p:cNvPicPr>
-            <a:picLocks noChangeAspect="1"/>
-          </p:cNvPicPr>
-          <p:nvPr/>
-        </p:nvPicPr>
-        <p:blipFill>
-          <a:blip r:embed="rId3"/>
-          <a:stretch>
-            <a:fillRect/>
-          </a:stretch>
-        </p:blipFill>
-        <p:spPr>
-          <a:xfrm>
-            <a:off x="939555" y="2722880"/>
-            <a:ext cx="10312889" cy="2067560"/>
-          </a:xfrm>
-          <a:prstGeom prst="rect">
-            <a:avLst/>
-          </a:prstGeom>
-        </p:spPr>
-      </p:pic>
     </p:spTree>
   </p:cSld>
   <p:clrMapOvr>

--- a/.workshop/DevOps-Workshop.pptx
+++ b/.workshop/DevOps-Workshop.pptx
@@ -35536,7 +35536,34 @@
               <a:defRPr sz="1800"/>
             </a:pPr>
             <a:r>
-              <a:t>The getMarbleQuantity function submits a job to query the Marbles table using SQL.</a:t>
+              <a:t>The </a:t>
+            </a:r>
+            <a:r>
+              <a:rPr>
+                <a:latin typeface="Courier"/>
+              </a:rPr>
+              <a:t/>
+            </a:r>
+            <a:r>
+              <a:t/>
+            </a:r>
+            <a:r>
+              <a:rPr>
+                <a:latin typeface="Courier"/>
+              </a:rPr>
+              <a:t>getMarbleQuantity</a:t>
+            </a:r>
+            <a:r>
+              <a:t/>
+            </a:r>
+            <a:r>
+              <a:rPr>
+                <a:latin typeface="Courier"/>
+              </a:rPr>
+              <a:t/>
+            </a:r>
+            <a:r>
+              <a:t> function submits a job to query the Marbles table using SQL.</a:t>
             </a:r>
           </a:p>
           <a:p>
@@ -35573,6 +35600,30 @@
           </a:p>
         </p:txBody>
       </p:sp>
+      <p:pic>
+        <p:nvPicPr>
+          <p:cNvPr id="4" name="Picture 3" descr="getMarbleQtyTestInitial.png"/>
+          <p:cNvPicPr>
+            <a:picLocks noChangeAspect="1"/>
+          </p:cNvPicPr>
+          <p:nvPr/>
+        </p:nvPicPr>
+        <p:blipFill>
+          <a:blip r:embed="rId2"/>
+          <a:stretch>
+            <a:fillRect/>
+          </a:stretch>
+        </p:blipFill>
+        <p:spPr>
+          <a:xfrm>
+            <a:off x="1469731" y="2722880"/>
+            <a:ext cx="9252536" cy="3769360"/>
+          </a:xfrm>
+          <a:prstGeom prst="rect">
+            <a:avLst/>
+          </a:prstGeom>
+        </p:spPr>
+      </p:pic>
     </p:spTree>
   </p:cSld>
   <p:clrMapOvr>

--- a/.workshop/DevOps-Workshop.pptx
+++ b/.workshop/DevOps-Workshop.pptx
@@ -35616,8 +35616,8 @@
         </p:blipFill>
         <p:spPr>
           <a:xfrm>
-            <a:off x="1469731" y="2722880"/>
-            <a:ext cx="9252536" cy="3769360"/>
+            <a:off x="3912718" y="2722880"/>
+            <a:ext cx="4366563" cy="3769360"/>
           </a:xfrm>
           <a:prstGeom prst="rect">
             <a:avLst/>

--- a/.workshop/DevOps-Workshop.pptx
+++ b/.workshop/DevOps-Workshop.pptx
@@ -36477,6 +36477,30 @@
           </a:p>
         </p:txBody>
       </p:sp>
+      <p:pic>
+        <p:nvPicPr>
+          <p:cNvPr id="4" name="Picture 3" descr="getMarbleQtyTestComplete.png"/>
+          <p:cNvPicPr>
+            <a:picLocks noChangeAspect="1"/>
+          </p:cNvPicPr>
+          <p:nvPr/>
+        </p:nvPicPr>
+        <p:blipFill>
+          <a:blip r:embed="rId2"/>
+          <a:stretch>
+            <a:fillRect/>
+          </a:stretch>
+        </p:blipFill>
+        <p:spPr>
+          <a:xfrm>
+            <a:off x="3948752" y="838200"/>
+            <a:ext cx="4294495" cy="3769360"/>
+          </a:xfrm>
+          <a:prstGeom prst="rect">
+            <a:avLst/>
+          </a:prstGeom>
+        </p:spPr>
+      </p:pic>
     </p:spTree>
   </p:cSld>
   <p:clrMapOvr>

--- a/.workshop/DevOps-Workshop.pptx
+++ b/.workshop/DevOps-Workshop.pptx
@@ -29561,34 +29561,7 @@
               <a:rPr>
                 <a:latin typeface="Courier"/>
               </a:rPr>
-              <a:t>zowe jobs submit data-set "</a:t>
-            </a:r>
-            <a:r>
-              <a:t/>
-            </a:r>
-            <a:r>
-              <a:rPr>
-                <a:latin typeface="Courier"/>
-              </a:rPr>
-              <a:t/>
-            </a:r>
-            <a:r>
-              <a:t>MAINFRAME_USER</a:t>
-            </a:r>
-            <a:r>
-              <a:rPr>
-                <a:latin typeface="Courier"/>
-              </a:rPr>
-              <a:t/>
-            </a:r>
-            <a:r>
-              <a:t/>
-            </a:r>
-            <a:r>
-              <a:rPr>
-                <a:latin typeface="Courier"/>
-              </a:rPr>
-              <a:t>.MARBLES.JCL(MARBIND)" --view-all-spool-content</a:t>
+              <a:t>zowe jobs submit data-set "MAINFRAME_USER.MARBLES.JCL(MARBIND)" --view-all-spool-content</a:t>
             </a:r>
             <a:r>
               <a:t/>

--- a/.workshop/DevOps-Workshop.pptx
+++ b/.workshop/DevOps-Workshop.pptx
@@ -34518,7 +34518,7 @@
               <a:rPr>
                 <a:latin typeface="Courier"/>
               </a:rPr>
-              <a:t>zowe jobs submit ds "MAINFRAME_USER.MARBLES.JCL(MARBDB2)</a:t>
+              <a:t>zowe jobs submit ds "MAINFRAME_USER.MARBLES.JCL(MARBDB2)  --vasc</a:t>
             </a:r>
             <a:r>
               <a:t/>
@@ -35589,8 +35589,8 @@
         </p:blipFill>
         <p:spPr>
           <a:xfrm>
-            <a:off x="3912718" y="2722880"/>
-            <a:ext cx="4366563" cy="3769360"/>
+            <a:off x="4303513" y="2722880"/>
+            <a:ext cx="3584972" cy="3769360"/>
           </a:xfrm>
           <a:prstGeom prst="rect">
             <a:avLst/>
@@ -35944,7 +35944,15 @@
               <a:defRPr sz="1800"/>
             </a:pPr>
             <a:r>
-              <a:t>First, locate the following testand update the title from 'should create a single marble'to 'should create a singlemarble with a cost of 1'</a:t>
+              <a:t>First, locate the following test and update the title from 'should create a single marble'to 'should create a singlemarble with a cost of 1'</a:t>
+            </a:r>
+          </a:p>
+          <a:p>
+            <a:pPr>
+              <a:defRPr sz="1800"/>
+            </a:pPr>
+            <a:r>
+              <a:t>Remove the .only( so it will run all the tests.</a:t>
             </a:r>
           </a:p>
           <a:p>

--- a/.workshop/DevOps-Workshop.pptx
+++ b/.workshop/DevOps-Workshop.pptx
@@ -27709,7 +27709,42 @@
               <a:defRPr sz="1800"/>
             </a:pPr>
             <a:r>
-              <a:t>We have created a script to help you create your profiles.  Access it through the terminal with the following commands:</a:t>
+              <a:t>Zowe V2 uses </a:t>
+            </a:r>
+            <a:r>
+              <a:rPr>
+                <a:latin typeface="Courier"/>
+              </a:rPr>
+              <a:t/>
+            </a:r>
+            <a:r>
+              <a:t/>
+            </a:r>
+            <a:r>
+              <a:rPr>
+                <a:latin typeface="Courier"/>
+              </a:rPr>
+              <a:t>zowe.config.json</a:t>
+            </a:r>
+            <a:r>
+              <a:t/>
+            </a:r>
+            <a:r>
+              <a:rPr>
+                <a:latin typeface="Courier"/>
+              </a:rPr>
+              <a:t/>
+            </a:r>
+            <a:r>
+              <a:t> to set up the profiles.</a:t>
+            </a:r>
+          </a:p>
+          <a:p>
+            <a:pPr>
+              <a:defRPr sz="1800"/>
+            </a:pPr>
+            <a:r>
+              <a:t>Using the Zowe command line the first time, you will be prompted to enter credentials.</a:t>
             </a:r>
           </a:p>
           <a:p>
@@ -27764,7 +27799,7 @@
               <a:rPr>
                 <a:latin typeface="Courier"/>
               </a:rPr>
-              <a:t>gulp setupProfiles</a:t>
+              <a:t>zowe files list ds MAINFRAME_USER.</a:t>
             </a:r>
             <a:r>
               <a:t/>
@@ -27881,51 +27916,35 @@
             </a:r>
           </a:p>
           <a:p>
-            <a:pPr>
-              <a:defRPr sz="1800"/>
-            </a:pPr>
-            <a:r>
-              <a:t>To view profiles, run a command like this:</a:t>
-            </a:r>
-          </a:p>
-          <a:p>
             <a:pPr lvl="1">
               <a:defRPr sz="1600"/>
             </a:pPr>
             <a:r>
-              <a:t/>
-            </a:r>
-            <a:r>
-              <a:rPr>
-                <a:latin typeface="Courier"/>
-              </a:rPr>
-              <a:t/>
-            </a:r>
-            <a:r>
-              <a:t/>
-            </a:r>
-            <a:r>
-              <a:rPr>
-                <a:latin typeface="Courier"/>
-              </a:rPr>
-              <a:t>zowe profiles list endevor</a:t>
-            </a:r>
-            <a:r>
-              <a:t/>
-            </a:r>
-            <a:r>
-              <a:rPr>
-                <a:latin typeface="Courier"/>
-              </a:rPr>
-              <a:t/>
-            </a:r>
-          </a:p>
-          <a:p>
-            <a:pPr>
-              <a:defRPr sz="1800"/>
-            </a:pPr>
-            <a:r>
-              <a:t>If you needed to create a profile manually, it could be done by a command like this (Note: this has been already performed):</a:t>
+              <a:t>If you make a mistake, you can run the command again, or issue </a:t>
+            </a:r>
+            <a:r>
+              <a:rPr>
+                <a:latin typeface="Courier"/>
+              </a:rPr>
+              <a:t/>
+            </a:r>
+            <a:r>
+              <a:t/>
+            </a:r>
+            <a:r>
+              <a:rPr>
+                <a:latin typeface="Courier"/>
+              </a:rPr>
+              <a:t>zowe config init</a:t>
+            </a:r>
+            <a:r>
+              <a:t/>
+            </a:r>
+            <a:r>
+              <a:rPr>
+                <a:latin typeface="Courier"/>
+              </a:rPr>
+              <a:t/>
             </a:r>
           </a:p>
           <a:p>
@@ -27933,31 +27952,34 @@
               <a:defRPr sz="1600"/>
             </a:pPr>
             <a:r>
-              <a:t/>
-            </a:r>
-            <a:r>
-              <a:rPr>
-                <a:latin typeface="Courier"/>
-              </a:rPr>
-              <a:t/>
-            </a:r>
-            <a:r>
-              <a:t/>
-            </a:r>
-            <a:r>
-              <a:rPr>
-                <a:latin typeface="Courier"/>
-              </a:rPr>
-              <a:t>zowe profiles create endevor MAINFRAME_LPAR-MAINFRAME_USER --host MAINFRAME_HOST --port ENDEVOR_PORT --user MAINFRAME_USER --password MAINFRAME_USER --ru false --protocol</a:t>
-            </a:r>
-            <a:r>
-              <a:t/>
-            </a:r>
-            <a:r>
-              <a:rPr>
-                <a:latin typeface="Courier"/>
-              </a:rPr>
-              <a:t/>
+              <a:t>Be sure you run a </a:t>
+            </a:r>
+            <a:r>
+              <a:rPr>
+                <a:latin typeface="Courier"/>
+              </a:rPr>
+              <a:t/>
+            </a:r>
+            <a:r>
+              <a:t/>
+            </a:r>
+            <a:r>
+              <a:rPr>
+                <a:latin typeface="Courier"/>
+              </a:rPr>
+              <a:t>zowe files list ds</a:t>
+            </a:r>
+            <a:r>
+              <a:t/>
+            </a:r>
+            <a:r>
+              <a:rPr>
+                <a:latin typeface="Courier"/>
+              </a:rPr>
+              <a:t/>
+            </a:r>
+            <a:r>
+              <a:t> command before accessing Gulp</a:t>
             </a:r>
           </a:p>
         </p:txBody>

--- a/.workshop/DevOps-Workshop.pptx
+++ b/.workshop/DevOps-Workshop.pptx
@@ -27979,7 +27979,31 @@
               <a:t/>
             </a:r>
             <a:r>
-              <a:t> command before accessing Gulp</a:t>
+              <a:t> command before accessing </a:t>
+            </a:r>
+            <a:r>
+              <a:rPr>
+                <a:latin typeface="Courier"/>
+              </a:rPr>
+              <a:t/>
+            </a:r>
+            <a:r>
+              <a:t/>
+            </a:r>
+            <a:r>
+              <a:rPr>
+                <a:latin typeface="Courier"/>
+              </a:rPr>
+              <a:t>Gulp</a:t>
+            </a:r>
+            <a:r>
+              <a:t/>
+            </a:r>
+            <a:r>
+              <a:rPr>
+                <a:latin typeface="Courier"/>
+              </a:rPr>
+              <a:t/>
             </a:r>
           </a:p>
         </p:txBody>

--- a/.workshop/DevOps-Workshop.pptx
+++ b/.workshop/DevOps-Workshop.pptx
@@ -27799,7 +27799,7 @@
               <a:rPr>
                 <a:latin typeface="Courier"/>
               </a:rPr>
-              <a:t>zowe files list ds MAINFRAME_USER.</a:t>
+              <a:t>zowe files list ds MAINFRAME_USER.*</a:t>
             </a:r>
             <a:r>
               <a:t/>

--- a/.workshop/DevOps-Workshop.pptx
+++ b/.workshop/DevOps-Workshop.pptx
@@ -35990,7 +35990,7 @@
               <a:defRPr sz="1800"/>
             </a:pPr>
             <a:r>
-              <a:t>First, locate the following test and update the title from 'should create a single marble'to 'should create a singlemarble with a cost of 1'</a:t>
+              <a:t>First, locate the following test and update the title from 'should create a single marble' to 'should create a singlemarble with a cost of 1'</a:t>
             </a:r>
           </a:p>
           <a:p>

--- a/.workshop/DevOps-Workshop.pptx
+++ b/.workshop/DevOps-Workshop.pptx
@@ -34564,7 +34564,7 @@
               <a:rPr>
                 <a:latin typeface="Courier"/>
               </a:rPr>
-              <a:t>zowe jobs submit ds "MAINFRAME_USER.MARBLES.JCL(MARBDB2)  --vasc</a:t>
+              <a:t>zowe jobs submit ds "MAINFRAME_USER.MARBLES.JCL(MARBDB2)"  --vasc</a:t>
             </a:r>
             <a:r>
               <a:t/>

--- a/.workshop/DevOps-Workshop.pptx
+++ b/.workshop/DevOps-Workshop.pptx
@@ -36487,7 +36487,7 @@
               <a:rPr>
                 <a:latin typeface="Courier"/>
               </a:rPr>
-              <a:t>cost = Number(row3]);</a:t>
+              <a:t>cost = Number(row[3]);</a:t>
             </a:r>
             <a:r>
               <a:t/>
